--- a/비행기 게임.pptx
+++ b/비행기 게임.pptx
@@ -3766,11 +3766,7 @@
             </a:r>
             <a:r>
               <a:rPr lang="ko-KR" altLang="en-US" sz="2000" dirty="0" smtClean="0"/>
-              <a:t>로 바꿔 </a:t>
-            </a:r>
-            <a:r>
-              <a:rPr lang="ko-KR" altLang="en-US" sz="2000" dirty="0" smtClean="0"/>
-              <a:t>활성화 하고</a:t>
+              <a:t>로 바꿔 활성화 하고</a:t>
             </a:r>
             <a:r>
               <a:rPr lang="en-US" altLang="ko-KR" sz="2000" dirty="0" smtClean="0"/>
@@ -3808,7 +3804,6 @@
               <a:rPr lang="en-US" altLang="ko-KR" sz="2000" dirty="0" smtClean="0"/>
               <a:t>.</a:t>
             </a:r>
-            <a:endParaRPr lang="en-US" altLang="ko-KR" sz="2000" dirty="0" smtClean="0"/>
           </a:p>
           <a:p>
             <a:endParaRPr lang="en-US" altLang="ko-KR" sz="2000" dirty="0"/>
@@ -4354,54 +4349,68 @@
             <p:ph idx="1"/>
           </p:nvPr>
         </p:nvSpPr>
-        <p:spPr/>
-        <p:txBody>
-          <a:bodyPr/>
-          <a:lstStyle/>
-          <a:p>
-            <a:r>
-              <a:rPr lang="ko-KR" altLang="en-US" dirty="0" smtClean="0"/>
-              <a:t>만들어진 코드를 기반으로 분석하면서 넣어보고 싶었던 기능들을 추가하였다</a:t>
-            </a:r>
-            <a:r>
-              <a:rPr lang="en-US" altLang="ko-KR" dirty="0" smtClean="0"/>
+        <p:spPr>
+          <a:xfrm>
+            <a:off x="838200" y="1825625"/>
+            <a:ext cx="6417179" cy="4351338"/>
+          </a:xfrm>
+        </p:spPr>
+        <p:txBody>
+          <a:bodyPr>
+            <a:normAutofit/>
+          </a:bodyPr>
+          <a:lstStyle/>
+          <a:p>
+            <a:endParaRPr lang="en-US" altLang="ko-KR" sz="2400" dirty="0" smtClean="0"/>
+          </a:p>
+          <a:p>
+            <a:r>
+              <a:rPr lang="ko-KR" altLang="en-US" sz="2400" dirty="0" smtClean="0"/>
+              <a:t>만들어진 </a:t>
+            </a:r>
+            <a:r>
+              <a:rPr lang="ko-KR" altLang="en-US" sz="2400" dirty="0" smtClean="0"/>
+              <a:t>코드를 기반으로 분석하면서 넣어보고 싶었던 기능들을 추가하였다</a:t>
+            </a:r>
+            <a:r>
+              <a:rPr lang="en-US" altLang="ko-KR" sz="2400" dirty="0" smtClean="0"/>
               <a:t>.</a:t>
             </a:r>
           </a:p>
           <a:p>
-            <a:endParaRPr lang="en-US" altLang="ko-KR" dirty="0"/>
-          </a:p>
-          <a:p>
-            <a:r>
-              <a:rPr lang="ko-KR" altLang="en-US" dirty="0" smtClean="0"/>
+            <a:endParaRPr lang="en-US" altLang="ko-KR" sz="2400" dirty="0"/>
+          </a:p>
+          <a:p>
+            <a:r>
+              <a:rPr lang="ko-KR" altLang="en-US" sz="2400" dirty="0" smtClean="0"/>
               <a:t>추가 하고 싶은 기능들을 메모장에 가상의 </a:t>
             </a:r>
             <a:r>
-              <a:rPr lang="ko-KR" altLang="en-US" dirty="0" err="1" smtClean="0"/>
+              <a:rPr lang="ko-KR" altLang="en-US" sz="2400" dirty="0" err="1" smtClean="0"/>
               <a:t>조건문을</a:t>
             </a:r>
             <a:r>
-              <a:rPr lang="ko-KR" altLang="en-US" dirty="0" smtClean="0"/>
+              <a:rPr lang="ko-KR" altLang="en-US" sz="2400" dirty="0" smtClean="0"/>
               <a:t> 만들었다</a:t>
             </a:r>
             <a:r>
-              <a:rPr lang="en-US" altLang="ko-KR" dirty="0" smtClean="0"/>
+              <a:rPr lang="en-US" altLang="ko-KR" sz="2400" dirty="0" smtClean="0"/>
               <a:t>.</a:t>
             </a:r>
           </a:p>
           <a:p>
-            <a:endParaRPr lang="en-US" altLang="ko-KR" dirty="0"/>
-          </a:p>
-          <a:p>
-            <a:r>
-              <a:rPr lang="ko-KR" altLang="en-US" dirty="0" smtClean="0"/>
+            <a:endParaRPr lang="en-US" altLang="ko-KR" sz="2400" dirty="0"/>
+          </a:p>
+          <a:p>
+            <a:r>
+              <a:rPr lang="ko-KR" altLang="en-US" sz="2400" dirty="0" smtClean="0"/>
               <a:t>이미지 파일들은 구글에 무료 이미지 사이트에서 구했다</a:t>
             </a:r>
             <a:r>
-              <a:rPr lang="en-US" altLang="ko-KR" dirty="0" smtClean="0"/>
+              <a:rPr lang="en-US" altLang="ko-KR" sz="2400" dirty="0" smtClean="0"/>
               <a:t>.</a:t>
             </a:r>
-            <a:endParaRPr lang="ko-KR" altLang="en-US" dirty="0"/>
+            <a:endParaRPr lang="ko-KR" altLang="en-US" sz="2400" dirty="0"/>
           </a:p>
         </p:txBody>
       </p:sp>
@@ -4522,6 +4531,36 @@
           </a:p>
         </p:txBody>
       </p:sp>
+      <p:pic>
+        <p:nvPicPr>
+          <p:cNvPr id="4" name="그림 3"/>
+          <p:cNvPicPr>
+            <a:picLocks noChangeAspect="1"/>
+          </p:cNvPicPr>
+          <p:nvPr/>
+        </p:nvPicPr>
+        <p:blipFill>
+          <a:blip r:embed="rId2">
+            <a:extLst>
+              <a:ext uri="{28A0092B-C50C-407E-A947-70E740481C1C}">
+                <a14:useLocalDpi xmlns:a14="http://schemas.microsoft.com/office/drawing/2010/main" val="0"/>
+              </a:ext>
+            </a:extLst>
+          </a:blip>
+          <a:stretch>
+            <a:fillRect/>
+          </a:stretch>
+        </p:blipFill>
+        <p:spPr>
+          <a:xfrm>
+            <a:off x="7255379" y="1914822"/>
+            <a:ext cx="4838700" cy="3286125"/>
+          </a:xfrm>
+          <a:prstGeom prst="rect">
+            <a:avLst/>
+          </a:prstGeom>
+        </p:spPr>
+      </p:pic>
     </p:spTree>
     <p:extLst>
       <p:ext uri="{BB962C8B-B14F-4D97-AF65-F5344CB8AC3E}">
